--- a/1704100_presentation_final.pptx
+++ b/1704100_presentation_final.pptx
@@ -7459,6 +7459,13 @@
           </a:effectRef>
           <a:fontRef idx="minor"/>
         </p:style>
+        <p:txBody>
+          <a:bodyPr/>
+          <a:lstStyle/>
+          <a:p>
+            <a:endParaRPr lang="en-US"/>
+          </a:p>
+        </p:txBody>
       </p:sp>
       <p:sp>
         <p:nvSpPr>
